--- a/documentacion/fichas_curriculares/hidalgof/HIDALGO.pptx
+++ b/documentacion/fichas_curriculares/hidalgof/HIDALGO.pptx
@@ -112,43 +112,6 @@
 </p:presentation>
 </file>
 
-<file path=ppt/revisionInfo.xml><?xml version="1.0" encoding="utf-8"?>
-<p1510:revInfo xmlns:a="http://schemas.openxmlformats.org/drawingml/2006/main" xmlns:r="http://schemas.openxmlformats.org/officeDocument/2006/relationships" xmlns:p1510="http://schemas.microsoft.com/office/powerpoint/2015/10/main">
-  <p1510:revLst>
-    <p1510:client id="{144B4732-5140-4CA7-B043-D74C0EA85961}" v="3" dt="2025-04-28T23:54:54.691"/>
-  </p1510:revLst>
-</p1510:revInfo>
-</file>
-
-<file path=ppt/changesInfos/changesInfo1.xml><?xml version="1.0" encoding="utf-8"?>
-<pc:chgInfo xmlns:a="http://schemas.openxmlformats.org/drawingml/2006/main" xmlns:r="http://schemas.openxmlformats.org/officeDocument/2006/relationships" xmlns:ac="http://schemas.microsoft.com/office/drawing/2013/main/command" xmlns:pc="http://schemas.microsoft.com/office/powerpoint/2013/main/command">
-  <pc:docChgLst>
-    <pc:chgData name="Guillermo Jiménez Gómez" userId="e8e1a3bb2d1e013b" providerId="LiveId" clId="{144B4732-5140-4CA7-B043-D74C0EA85961}"/>
-    <pc:docChg chg="modSld">
-      <pc:chgData name="Guillermo Jiménez Gómez" userId="e8e1a3bb2d1e013b" providerId="LiveId" clId="{144B4732-5140-4CA7-B043-D74C0EA85961}" dt="2025-04-28T23:50:21.313" v="1" actId="20578"/>
-      <pc:docMkLst>
-        <pc:docMk/>
-      </pc:docMkLst>
-      <pc:sldChg chg="modSp">
-        <pc:chgData name="Guillermo Jiménez Gómez" userId="e8e1a3bb2d1e013b" providerId="LiveId" clId="{144B4732-5140-4CA7-B043-D74C0EA85961}" dt="2025-04-28T23:50:21.313" v="1" actId="20578"/>
-        <pc:sldMkLst>
-          <pc:docMk/>
-          <pc:sldMk cId="4165610468" sldId="256"/>
-        </pc:sldMkLst>
-        <pc:spChg chg="mod">
-          <ac:chgData name="Guillermo Jiménez Gómez" userId="e8e1a3bb2d1e013b" providerId="LiveId" clId="{144B4732-5140-4CA7-B043-D74C0EA85961}" dt="2025-04-28T23:50:21.313" v="1" actId="20578"/>
-          <ac:spMkLst>
-            <pc:docMk/>
-            <pc:sldMk cId="4165610468" sldId="256"/>
-            <ac:spMk id="13" creationId="{4C39B6A8-850A-41A7-BC05-141D0CCF0BCC}"/>
-          </ac:spMkLst>
-        </pc:spChg>
-      </pc:sldChg>
-    </pc:docChg>
-  </pc:docChgLst>
-</pc:chgInfo>
-</file>
-
 <file path=ppt/slideLayouts/slideLayout1.xml><?xml version="1.0" encoding="utf-8"?>
 <p:sldLayout xmlns:a="http://schemas.openxmlformats.org/drawingml/2006/main" xmlns:r="http://schemas.openxmlformats.org/officeDocument/2006/relationships" xmlns:p="http://schemas.openxmlformats.org/presentationml/2006/main" type="title" preserve="1">
   <p:cSld name="Diapositiva de título">
@@ -296,7 +259,7 @@
           <a:p>
             <a:fld id="{664CB750-BDA0-4B3C-9407-BAF21E562682}" type="datetimeFigureOut">
               <a:rPr lang="es-MX" smtClean="0"/>
-              <a:t>28/04/2025</a:t>
+              <a:t>30.04.2025</a:t>
             </a:fld>
             <a:endParaRPr lang="es-MX"/>
           </a:p>
@@ -494,7 +457,7 @@
           <a:p>
             <a:fld id="{664CB750-BDA0-4B3C-9407-BAF21E562682}" type="datetimeFigureOut">
               <a:rPr lang="es-MX" smtClean="0"/>
-              <a:t>28/04/2025</a:t>
+              <a:t>30.04.2025</a:t>
             </a:fld>
             <a:endParaRPr lang="es-MX"/>
           </a:p>
@@ -702,7 +665,7 @@
           <a:p>
             <a:fld id="{664CB750-BDA0-4B3C-9407-BAF21E562682}" type="datetimeFigureOut">
               <a:rPr lang="es-MX" smtClean="0"/>
-              <a:t>28/04/2025</a:t>
+              <a:t>30.04.2025</a:t>
             </a:fld>
             <a:endParaRPr lang="es-MX"/>
           </a:p>
@@ -900,7 +863,7 @@
           <a:p>
             <a:fld id="{664CB750-BDA0-4B3C-9407-BAF21E562682}" type="datetimeFigureOut">
               <a:rPr lang="es-MX" smtClean="0"/>
-              <a:t>28/04/2025</a:t>
+              <a:t>30.04.2025</a:t>
             </a:fld>
             <a:endParaRPr lang="es-MX"/>
           </a:p>
@@ -1175,7 +1138,7 @@
           <a:p>
             <a:fld id="{664CB750-BDA0-4B3C-9407-BAF21E562682}" type="datetimeFigureOut">
               <a:rPr lang="es-MX" smtClean="0"/>
-              <a:t>28/04/2025</a:t>
+              <a:t>30.04.2025</a:t>
             </a:fld>
             <a:endParaRPr lang="es-MX"/>
           </a:p>
@@ -1440,7 +1403,7 @@
           <a:p>
             <a:fld id="{664CB750-BDA0-4B3C-9407-BAF21E562682}" type="datetimeFigureOut">
               <a:rPr lang="es-MX" smtClean="0"/>
-              <a:t>28/04/2025</a:t>
+              <a:t>30.04.2025</a:t>
             </a:fld>
             <a:endParaRPr lang="es-MX"/>
           </a:p>
@@ -1852,7 +1815,7 @@
           <a:p>
             <a:fld id="{664CB750-BDA0-4B3C-9407-BAF21E562682}" type="datetimeFigureOut">
               <a:rPr lang="es-MX" smtClean="0"/>
-              <a:t>28/04/2025</a:t>
+              <a:t>30.04.2025</a:t>
             </a:fld>
             <a:endParaRPr lang="es-MX"/>
           </a:p>
@@ -1993,7 +1956,7 @@
           <a:p>
             <a:fld id="{664CB750-BDA0-4B3C-9407-BAF21E562682}" type="datetimeFigureOut">
               <a:rPr lang="es-MX" smtClean="0"/>
-              <a:t>28/04/2025</a:t>
+              <a:t>30.04.2025</a:t>
             </a:fld>
             <a:endParaRPr lang="es-MX"/>
           </a:p>
@@ -2106,7 +2069,7 @@
           <a:p>
             <a:fld id="{664CB750-BDA0-4B3C-9407-BAF21E562682}" type="datetimeFigureOut">
               <a:rPr lang="es-MX" smtClean="0"/>
-              <a:t>28/04/2025</a:t>
+              <a:t>30.04.2025</a:t>
             </a:fld>
             <a:endParaRPr lang="es-MX"/>
           </a:p>
@@ -2417,7 +2380,7 @@
           <a:p>
             <a:fld id="{664CB750-BDA0-4B3C-9407-BAF21E562682}" type="datetimeFigureOut">
               <a:rPr lang="es-MX" smtClean="0"/>
-              <a:t>28/04/2025</a:t>
+              <a:t>30.04.2025</a:t>
             </a:fld>
             <a:endParaRPr lang="es-MX"/>
           </a:p>
@@ -2705,7 +2668,7 @@
           <a:p>
             <a:fld id="{664CB750-BDA0-4B3C-9407-BAF21E562682}" type="datetimeFigureOut">
               <a:rPr lang="es-MX" smtClean="0"/>
-              <a:t>28/04/2025</a:t>
+              <a:t>30.04.2025</a:t>
             </a:fld>
             <a:endParaRPr lang="es-MX"/>
           </a:p>
@@ -2946,7 +2909,7 @@
           <a:p>
             <a:fld id="{664CB750-BDA0-4B3C-9407-BAF21E562682}" type="datetimeFigureOut">
               <a:rPr lang="es-MX" smtClean="0"/>
-              <a:t>28/04/2025</a:t>
+              <a:t>30.04.2025</a:t>
             </a:fld>
             <a:endParaRPr lang="es-MX"/>
           </a:p>
@@ -4924,39 +4887,6 @@
       </p:pic>
       <p:pic>
         <p:nvPicPr>
-          <p:cNvPr id="22" name="0 Imagen">
-            <a:extLst>
-              <a:ext uri="{FF2B5EF4-FFF2-40B4-BE49-F238E27FC236}">
-                <a16:creationId xmlns:a16="http://schemas.microsoft.com/office/drawing/2014/main" id="{FBA95787-1E9A-4CF4-8259-2BA3C49BF1EE}"/>
-              </a:ext>
-            </a:extLst>
-          </p:cNvPr>
-          <p:cNvPicPr/>
-          <p:nvPr/>
-        </p:nvPicPr>
-        <p:blipFill rotWithShape="1">
-          <a:blip r:embed="rId5">
-            <a:extLst>
-              <a:ext uri="{28A0092B-C50C-407E-A947-70E740481C1C}">
-                <a14:useLocalDpi xmlns:a14="http://schemas.microsoft.com/office/drawing/2010/main" val="0"/>
-              </a:ext>
-            </a:extLst>
-          </a:blip>
-          <a:srcRect l="6381" r="6381"/>
-          <a:stretch/>
-        </p:blipFill>
-        <p:spPr>
-          <a:xfrm>
-            <a:off x="0" y="8363223"/>
-            <a:ext cx="6858000" cy="669563"/>
-          </a:xfrm>
-          <a:prstGeom prst="rect">
-            <a:avLst/>
-          </a:prstGeom>
-        </p:spPr>
-      </p:pic>
-      <p:pic>
-        <p:nvPicPr>
           <p:cNvPr id="16" name="Picture 2" descr="Y:\SDCO_Zona Sur\SUR\CV TITULARES DE LAS O R\SEMBLANZAS CURRICULARES TOR -JUNIO 2024\FOTOS\YUCATÁN- SERGIO IVAN CADENA LIRA.png">
             <a:extLst>
               <a:ext uri="{FF2B5EF4-FFF2-40B4-BE49-F238E27FC236}">
@@ -4970,7 +4900,7 @@
           <p:nvPr/>
         </p:nvPicPr>
         <p:blipFill>
-          <a:blip r:embed="rId6" cstate="print">
+          <a:blip r:embed="rId5" cstate="print">
             <a:extLst>
               <a:ext uri="{28A0092B-C50C-407E-A947-70E740481C1C}">
                 <a14:useLocalDpi xmlns:a14="http://schemas.microsoft.com/office/drawing/2010/main" val="0"/>
@@ -5111,6 +5041,35 @@
           </a:p>
         </p:txBody>
       </p:sp>
+      <p:pic>
+        <p:nvPicPr>
+          <p:cNvPr id="14" name="Imagen 13">
+            <a:extLst>
+              <a:ext uri="{FF2B5EF4-FFF2-40B4-BE49-F238E27FC236}">
+                <a16:creationId xmlns:a16="http://schemas.microsoft.com/office/drawing/2014/main" id="{CE2FDB39-6F72-464D-8AB2-CD36D7E6D7FF}"/>
+              </a:ext>
+            </a:extLst>
+          </p:cNvPr>
+          <p:cNvPicPr>
+            <a:picLocks noChangeAspect="1"/>
+          </p:cNvPicPr>
+          <p:nvPr/>
+        </p:nvPicPr>
+        <p:blipFill rotWithShape="1">
+          <a:blip r:embed="rId6"/>
+          <a:srcRect l="2500" b="20944"/>
+          <a:stretch/>
+        </p:blipFill>
+        <p:spPr>
+          <a:xfrm>
+            <a:off x="28061" y="8366159"/>
+            <a:ext cx="6829939" cy="724300"/>
+          </a:xfrm>
+          <a:prstGeom prst="rect">
+            <a:avLst/>
+          </a:prstGeom>
+        </p:spPr>
+      </p:pic>
     </p:spTree>
     <p:extLst>
       <p:ext uri="{BB962C8B-B14F-4D97-AF65-F5344CB8AC3E}">
